--- a/Slides/Week 2 - Part 2 - Components.pptx
+++ b/Slides/Week 2 - Part 2 - Components.pptx
@@ -219,7 +219,7 @@
           <a:p>
             <a:fld id="{312E7B4A-039C-48A2-9B2C-AF16AA3873D8}" type="datetimeFigureOut">
               <a:rPr lang="en-US" smtClean="0"/>
-              <a:t>12/29/2014</a:t>
+              <a:t>12/30/2014</a:t>
             </a:fld>
             <a:endParaRPr lang="en-US"/>
           </a:p>
@@ -384,7 +384,7 @@
           <a:p>
             <a:fld id="{DA005A0C-54D9-45AA-87D4-C551D08DFCE1}" type="datetimeFigureOut">
               <a:rPr lang="en-US" smtClean="0"/>
-              <a:t>12/29/2014</a:t>
+              <a:t>12/30/2014</a:t>
             </a:fld>
             <a:endParaRPr lang="en-US"/>
           </a:p>
@@ -726,63 +726,6 @@
           <a:lstStyle/>
           <a:p>
             <a:pPr rtl="0" fontAlgn="ctr"/>
-            <a:r>
-              <a:rPr lang="en-US" sz="1200" b="0" i="0" kern="1200" dirty="0" smtClean="0">
-                <a:solidFill>
-                  <a:schemeClr val="tx1"/>
-                </a:solidFill>
-                <a:effectLst/>
-                <a:latin typeface="+mn-lt"/>
-                <a:ea typeface="+mn-ea"/>
-                <a:cs typeface="+mn-cs"/>
-              </a:rPr>
-              <a:t>Groupings</a:t>
-            </a:r>
-          </a:p>
-          <a:p>
-            <a:pPr lvl="1" rtl="0" fontAlgn="ctr"/>
-            <a:r>
-              <a:rPr lang="en-US" sz="1200" b="0" i="0" kern="1200" dirty="0" smtClean="0">
-                <a:solidFill>
-                  <a:schemeClr val="tx1"/>
-                </a:solidFill>
-                <a:effectLst/>
-                <a:latin typeface="+mn-lt"/>
-                <a:ea typeface="+mn-ea"/>
-                <a:cs typeface="+mn-cs"/>
-              </a:rPr>
-              <a:t>Labels</a:t>
-            </a:r>
-          </a:p>
-          <a:p>
-            <a:pPr lvl="1" rtl="0" fontAlgn="ctr"/>
-            <a:r>
-              <a:rPr lang="en-US" sz="1200" b="0" i="0" kern="1200" dirty="0" smtClean="0">
-                <a:solidFill>
-                  <a:schemeClr val="tx1"/>
-                </a:solidFill>
-                <a:effectLst/>
-                <a:latin typeface="+mn-lt"/>
-                <a:ea typeface="+mn-ea"/>
-                <a:cs typeface="+mn-cs"/>
-              </a:rPr>
-              <a:t>Panels</a:t>
-            </a:r>
-          </a:p>
-          <a:p>
-            <a:pPr lvl="1" rtl="0" fontAlgn="ctr"/>
-            <a:r>
-              <a:rPr lang="en-US" sz="1200" b="0" i="0" kern="1200" dirty="0" err="1" smtClean="0">
-                <a:solidFill>
-                  <a:schemeClr val="tx1"/>
-                </a:solidFill>
-                <a:effectLst/>
-                <a:latin typeface="+mn-lt"/>
-                <a:ea typeface="+mn-ea"/>
-                <a:cs typeface="+mn-cs"/>
-              </a:rPr>
-              <a:t>Jumbotron</a:t>
-            </a:r>
             <a:endParaRPr lang="en-US" sz="1200" b="0" i="0" kern="1200" dirty="0" smtClean="0">
               <a:solidFill>
                 <a:schemeClr val="tx1"/>
@@ -792,144 +735,6 @@
               <a:ea typeface="+mn-ea"/>
               <a:cs typeface="+mn-cs"/>
             </a:endParaRPr>
-          </a:p>
-          <a:p>
-            <a:pPr rtl="0" fontAlgn="ctr"/>
-            <a:r>
-              <a:rPr lang="en-US" sz="1200" b="0" i="0" kern="1200" dirty="0" smtClean="0">
-                <a:solidFill>
-                  <a:schemeClr val="tx1"/>
-                </a:solidFill>
-                <a:effectLst/>
-                <a:latin typeface="+mn-lt"/>
-                <a:ea typeface="+mn-ea"/>
-                <a:cs typeface="+mn-cs"/>
-              </a:rPr>
-              <a:t>Objects</a:t>
-            </a:r>
-          </a:p>
-          <a:p>
-            <a:pPr lvl="1" rtl="0" fontAlgn="ctr"/>
-            <a:r>
-              <a:rPr lang="en-US" sz="1200" b="0" i="0" kern="1200" dirty="0" smtClean="0">
-                <a:solidFill>
-                  <a:schemeClr val="tx1"/>
-                </a:solidFill>
-                <a:effectLst/>
-                <a:latin typeface="+mn-lt"/>
-                <a:ea typeface="+mn-ea"/>
-                <a:cs typeface="+mn-cs"/>
-              </a:rPr>
-              <a:t>Glyphs</a:t>
-            </a:r>
-          </a:p>
-          <a:p>
-            <a:pPr lvl="1" rtl="0" fontAlgn="ctr"/>
-            <a:r>
-              <a:rPr lang="en-US" sz="1200" b="0" i="0" kern="1200" dirty="0" smtClean="0">
-                <a:solidFill>
-                  <a:schemeClr val="tx1"/>
-                </a:solidFill>
-                <a:effectLst/>
-                <a:latin typeface="+mn-lt"/>
-                <a:ea typeface="+mn-ea"/>
-                <a:cs typeface="+mn-cs"/>
-              </a:rPr>
-              <a:t>Dropdowns</a:t>
-            </a:r>
-          </a:p>
-          <a:p>
-            <a:pPr lvl="1" rtl="0" fontAlgn="ctr"/>
-            <a:r>
-              <a:rPr lang="en-US" sz="1200" b="0" i="0" kern="1200" dirty="0" smtClean="0">
-                <a:solidFill>
-                  <a:schemeClr val="tx1"/>
-                </a:solidFill>
-                <a:effectLst/>
-                <a:latin typeface="+mn-lt"/>
-                <a:ea typeface="+mn-ea"/>
-                <a:cs typeface="+mn-cs"/>
-              </a:rPr>
-              <a:t>Buttons</a:t>
-            </a:r>
-          </a:p>
-          <a:p>
-            <a:pPr rtl="0" fontAlgn="ctr"/>
-            <a:r>
-              <a:rPr lang="en-US" sz="1200" b="0" i="0" kern="1200" dirty="0" err="1" smtClean="0">
-                <a:solidFill>
-                  <a:schemeClr val="tx1"/>
-                </a:solidFill>
-                <a:effectLst/>
-                <a:latin typeface="+mn-lt"/>
-                <a:ea typeface="+mn-ea"/>
-                <a:cs typeface="+mn-cs"/>
-              </a:rPr>
-              <a:t>Nav</a:t>
-            </a:r>
-            <a:endParaRPr lang="en-US" sz="1200" b="0" i="0" kern="1200" dirty="0" smtClean="0">
-              <a:solidFill>
-                <a:schemeClr val="tx1"/>
-              </a:solidFill>
-              <a:effectLst/>
-              <a:latin typeface="+mn-lt"/>
-              <a:ea typeface="+mn-ea"/>
-              <a:cs typeface="+mn-cs"/>
-            </a:endParaRPr>
-          </a:p>
-          <a:p>
-            <a:pPr lvl="1" rtl="0" fontAlgn="ctr"/>
-            <a:r>
-              <a:rPr lang="en-US" sz="1200" b="0" i="0" kern="1200" dirty="0" err="1" smtClean="0">
-                <a:solidFill>
-                  <a:schemeClr val="tx1"/>
-                </a:solidFill>
-                <a:effectLst/>
-                <a:latin typeface="+mn-lt"/>
-                <a:ea typeface="+mn-ea"/>
-                <a:cs typeface="+mn-cs"/>
-              </a:rPr>
-              <a:t>Navbar</a:t>
-            </a:r>
-            <a:endParaRPr lang="en-US" sz="1200" b="0" i="0" kern="1200" dirty="0" smtClean="0">
-              <a:solidFill>
-                <a:schemeClr val="tx1"/>
-              </a:solidFill>
-              <a:effectLst/>
-              <a:latin typeface="+mn-lt"/>
-              <a:ea typeface="+mn-ea"/>
-              <a:cs typeface="+mn-cs"/>
-            </a:endParaRPr>
-          </a:p>
-          <a:p>
-            <a:pPr lvl="1" rtl="0" fontAlgn="ctr"/>
-            <a:r>
-              <a:rPr lang="en-US" sz="1200" b="0" i="0" kern="1200" dirty="0" smtClean="0">
-                <a:solidFill>
-                  <a:schemeClr val="tx1"/>
-                </a:solidFill>
-                <a:effectLst/>
-                <a:latin typeface="+mn-lt"/>
-                <a:ea typeface="+mn-ea"/>
-                <a:cs typeface="+mn-cs"/>
-              </a:rPr>
-              <a:t>Breadcrumbs</a:t>
-            </a:r>
-          </a:p>
-          <a:p>
-            <a:pPr lvl="1" rtl="0" fontAlgn="ctr"/>
-            <a:r>
-              <a:rPr lang="en-US" sz="1200" b="0" i="0" kern="1200" dirty="0" smtClean="0">
-                <a:solidFill>
-                  <a:schemeClr val="tx1"/>
-                </a:solidFill>
-                <a:effectLst/>
-                <a:latin typeface="+mn-lt"/>
-                <a:ea typeface="+mn-ea"/>
-                <a:cs typeface="+mn-cs"/>
-              </a:rPr>
-              <a:t>Pagination</a:t>
-            </a:r>
           </a:p>
         </p:txBody>
       </p:sp>
@@ -3837,7 +3642,7 @@
             <a:pPr marL="914400" indent="-914400"/>
             <a:r>
               <a:rPr lang="en-US" dirty="0" smtClean="0"/>
-              <a:t>02 | Components</a:t>
+              <a:t>Components</a:t>
             </a:r>
             <a:endParaRPr lang="en-US" dirty="0"/>
           </a:p>
@@ -3855,19 +3660,39 @@
         </p:nvSpPr>
         <p:spPr/>
         <p:txBody>
-          <a:bodyPr/>
+          <a:bodyPr>
+            <a:normAutofit fontScale="92500" lnSpcReduction="20000"/>
+          </a:bodyPr>
           <a:lstStyle/>
           <a:p>
             <a:r>
-              <a:rPr lang="en-US" dirty="0"/>
-              <a:t>Jon Galloway | Technical Evangelist</a:t>
-            </a:r>
-          </a:p>
-          <a:p>
-            <a:r>
-              <a:rPr lang="en-US" dirty="0"/>
-              <a:t>Christopher Harrison | Content Developer</a:t>
-            </a:r>
+              <a:rPr lang="en-US" dirty="0" smtClean="0"/>
+              <a:t>Christopher Harrison</a:t>
+            </a:r>
+          </a:p>
+          <a:p>
+            <a:r>
+              <a:rPr lang="en-US" dirty="0" smtClean="0"/>
+              <a:t>@</a:t>
+            </a:r>
+            <a:r>
+              <a:rPr lang="en-US" dirty="0" err="1" smtClean="0"/>
+              <a:t>geektrainer</a:t>
+            </a:r>
+            <a:endParaRPr lang="en-US" dirty="0" smtClean="0"/>
+          </a:p>
+          <a:p>
+            <a:r>
+              <a:rPr lang="en-US" dirty="0" smtClean="0"/>
+              <a:t>Content Developer</a:t>
+            </a:r>
+          </a:p>
+          <a:p>
+            <a:r>
+              <a:rPr lang="en-US" dirty="0" smtClean="0"/>
+              <a:t>Microsoft</a:t>
+            </a:r>
+            <a:endParaRPr lang="en-US" dirty="0"/>
           </a:p>
         </p:txBody>
       </p:sp>
@@ -3941,6 +3766,13 @@
   <p:clrMapOvr>
     <a:masterClrMapping/>
   </p:clrMapOvr>
+  <p:timing>
+    <p:tnLst>
+      <p:par>
+        <p:cTn id="1" dur="indefinite" restart="never" nodeType="tmRoot"/>
+      </p:par>
+    </p:tnLst>
+  </p:timing>
 </p:sld>
 </file>
 
@@ -4031,6 +3863,13 @@
   <p:clrMapOvr>
     <a:masterClrMapping/>
   </p:clrMapOvr>
+  <p:timing>
+    <p:tnLst>
+      <p:par>
+        <p:cTn id="1" dur="indefinite" restart="never" nodeType="tmRoot"/>
+      </p:par>
+    </p:tnLst>
+  </p:timing>
 </p:sld>
 </file>
 
@@ -4084,6 +3923,13 @@
   <p:clrMapOvr>
     <a:masterClrMapping/>
   </p:clrMapOvr>
+  <p:timing>
+    <p:tnLst>
+      <p:par>
+        <p:cTn id="1" dur="indefinite" restart="never" nodeType="tmRoot"/>
+      </p:par>
+    </p:tnLst>
+  </p:timing>
 </p:sld>
 </file>
 
@@ -4166,6 +4012,13 @@
   <p:clrMapOvr>
     <a:masterClrMapping/>
   </p:clrMapOvr>
+  <p:timing>
+    <p:tnLst>
+      <p:par>
+        <p:cTn id="1" dur="indefinite" restart="never" nodeType="tmRoot"/>
+      </p:par>
+    </p:tnLst>
+  </p:timing>
 </p:sld>
 </file>
 
@@ -4219,6 +4072,13 @@
   <p:clrMapOvr>
     <a:masterClrMapping/>
   </p:clrMapOvr>
+  <p:timing>
+    <p:tnLst>
+      <p:par>
+        <p:cTn id="1" dur="indefinite" restart="never" nodeType="tmRoot"/>
+      </p:par>
+    </p:tnLst>
+  </p:timing>
 </p:sld>
 </file>
 
@@ -4322,6 +4182,13 @@
   <p:clrMapOvr>
     <a:masterClrMapping/>
   </p:clrMapOvr>
+  <p:timing>
+    <p:tnLst>
+      <p:par>
+        <p:cTn id="1" dur="indefinite" restart="never" nodeType="tmRoot"/>
+      </p:par>
+    </p:tnLst>
+  </p:timing>
 </p:sld>
 </file>
 
@@ -4375,6 +4242,13 @@
   <p:clrMapOvr>
     <a:masterClrMapping/>
   </p:clrMapOvr>
+  <p:timing>
+    <p:tnLst>
+      <p:par>
+        <p:cTn id="1" dur="indefinite" restart="never" nodeType="tmRoot"/>
+      </p:par>
+    </p:tnLst>
+  </p:timing>
 </p:sld>
 </file>
 
@@ -4413,6 +4287,13 @@
       <p:transition spd="slow"/>
     </mc:Fallback>
   </mc:AlternateContent>
+  <p:timing>
+    <p:tnLst>
+      <p:par>
+        <p:cTn id="1" dur="indefinite" restart="never" nodeType="tmRoot"/>
+      </p:par>
+    </p:tnLst>
+  </p:timing>
 </p:sld>
 </file>
 
@@ -4563,7 +4444,11 @@
             <a:pPr lvl="0" fontAlgn="ctr"/>
             <a:r>
               <a:rPr lang="en-US" dirty="0" smtClean="0"/>
-              <a:t>Great for Ajax / SPA</a:t>
+              <a:t>Great for Ajax / </a:t>
+            </a:r>
+            <a:r>
+              <a:rPr lang="en-US" dirty="0" smtClean="0"/>
+              <a:t>Single Page Applications (SPA)</a:t>
             </a:r>
             <a:endParaRPr lang="en-US" dirty="0"/>
           </a:p>
@@ -4925,6 +4810,13 @@
   <p:clrMapOvr>
     <a:masterClrMapping/>
   </p:clrMapOvr>
+  <p:timing>
+    <p:tnLst>
+      <p:par>
+        <p:cTn id="1" dur="indefinite" restart="never" nodeType="tmRoot"/>
+      </p:par>
+    </p:tnLst>
+  </p:timing>
 </p:sld>
 </file>
 
@@ -4993,7 +4885,6 @@
               <a:rPr lang="en-US" dirty="0" smtClean="0"/>
               <a:t>Provide key information</a:t>
             </a:r>
-            <a:endParaRPr lang="en-US" dirty="0" smtClean="0"/>
           </a:p>
         </p:txBody>
       </p:sp>
@@ -5156,6 +5047,13 @@
   <p:clrMapOvr>
     <a:masterClrMapping/>
   </p:clrMapOvr>
+  <p:timing>
+    <p:tnLst>
+      <p:par>
+        <p:cTn id="1" dur="indefinite" restart="never" nodeType="tmRoot"/>
+      </p:par>
+    </p:tnLst>
+  </p:timing>
 </p:sld>
 </file>
 
@@ -5209,6 +5107,13 @@
   <p:clrMapOvr>
     <a:masterClrMapping/>
   </p:clrMapOvr>
+  <p:timing>
+    <p:tnLst>
+      <p:par>
+        <p:cTn id="1" dur="indefinite" restart="never" nodeType="tmRoot"/>
+      </p:par>
+    </p:tnLst>
+  </p:timing>
 </p:sld>
 </file>
 
@@ -5299,6 +5204,13 @@
   <p:clrMapOvr>
     <a:masterClrMapping/>
   </p:clrMapOvr>
+  <p:timing>
+    <p:tnLst>
+      <p:par>
+        <p:cTn id="1" dur="indefinite" restart="never" nodeType="tmRoot"/>
+      </p:par>
+    </p:tnLst>
+  </p:timing>
 </p:sld>
 </file>
 
@@ -6110,21 +6022,6 @@
 </file>
 
 <file path=customXml/item1.xml><?xml version="1.0" encoding="utf-8"?>
-<?mso-contentType ?>
-<FormTemplates xmlns="http://schemas.microsoft.com/sharepoint/v3/contenttype/forms">
-  <Display>DocumentLibraryForm</Display>
-  <Edit>DocumentLibraryForm</Edit>
-  <New>DocumentLibraryForm</New>
-</FormTemplates>
-</file>
-
-<file path=customXml/item2.xml><?xml version="1.0" encoding="utf-8"?>
-<p:properties xmlns:p="http://schemas.microsoft.com/office/2006/metadata/properties" xmlns:xsi="http://www.w3.org/2001/XMLSchema-instance" xmlns:pc="http://schemas.microsoft.com/office/infopath/2007/PartnerControls">
-  <documentManagement/>
-</p:properties>
-</file>
-
-<file path=customXml/item3.xml><?xml version="1.0" encoding="utf-8"?>
 <ct:contentTypeSchema xmlns:ct="http://schemas.microsoft.com/office/2006/metadata/contentType" xmlns:ma="http://schemas.microsoft.com/office/2006/metadata/properties/metaAttributes" ct:_="" ma:_="" ma:contentTypeName="Document" ma:contentTypeID="0x010100A9B9146463917044969030790F8D7E1F" ma:contentTypeVersion="1" ma:contentTypeDescription="Create a new document." ma:contentTypeScope="" ma:versionID="88cb810aac341a62f87e1e4b3de4b413">
   <xsd:schema xmlns:xsd="http://www.w3.org/2001/XMLSchema" xmlns:xs="http://www.w3.org/2001/XMLSchema" xmlns:p="http://schemas.microsoft.com/office/2006/metadata/properties" xmlns:ns3="239b4775-11ac-4188-ac69-b5b775bb2155" targetNamespace="http://schemas.microsoft.com/office/2006/metadata/properties" ma:root="true" ma:fieldsID="a6232b10dbb3dfcaf3920bb7009c4722" ns3:_="">
     <xsd:import namespace="239b4775-11ac-4188-ac69-b5b775bb2155"/>
@@ -6264,10 +6161,35 @@
 </ct:contentTypeSchema>
 </file>
 
+<file path=customXml/item2.xml><?xml version="1.0" encoding="utf-8"?>
+<p:properties xmlns:p="http://schemas.microsoft.com/office/2006/metadata/properties" xmlns:xsi="http://www.w3.org/2001/XMLSchema-instance" xmlns:pc="http://schemas.microsoft.com/office/infopath/2007/PartnerControls">
+  <documentManagement/>
+</p:properties>
+</file>
+
+<file path=customXml/item3.xml><?xml version="1.0" encoding="utf-8"?>
+<?mso-contentType ?>
+<FormTemplates xmlns="http://schemas.microsoft.com/sharepoint/v3/contenttype/forms">
+  <Display>DocumentLibraryForm</Display>
+  <Edit>DocumentLibraryForm</Edit>
+  <New>DocumentLibraryForm</New>
+</FormTemplates>
+</file>
+
 <file path=customXml/itemProps1.xml><?xml version="1.0" encoding="utf-8"?>
-<ds:datastoreItem xmlns:ds="http://schemas.openxmlformats.org/officeDocument/2006/customXml" ds:itemID="{B0CA13EC-1D3C-4D6F-8D1C-E8A452CFC79A}">
+<ds:datastoreItem xmlns:ds="http://schemas.openxmlformats.org/officeDocument/2006/customXml" ds:itemID="{0785A4C7-B234-45E3-92B4-D7E0909F829E}">
   <ds:schemaRefs>
-    <ds:schemaRef ds:uri="http://schemas.microsoft.com/sharepoint/v3/contenttype/forms"/>
+    <ds:schemaRef ds:uri="http://schemas.microsoft.com/office/2006/metadata/contentType"/>
+    <ds:schemaRef ds:uri="http://schemas.microsoft.com/office/2006/metadata/properties/metaAttributes"/>
+    <ds:schemaRef ds:uri="http://www.w3.org/2001/XMLSchema"/>
+    <ds:schemaRef ds:uri="http://schemas.microsoft.com/office/2006/metadata/properties"/>
+    <ds:schemaRef ds:uri="239b4775-11ac-4188-ac69-b5b775bb2155"/>
+    <ds:schemaRef ds:uri="http://schemas.microsoft.com/office/2006/documentManagement/types"/>
+    <ds:schemaRef ds:uri="http://schemas.microsoft.com/office/infopath/2007/PartnerControls"/>
+    <ds:schemaRef ds:uri="http://schemas.openxmlformats.org/package/2006/metadata/core-properties"/>
+    <ds:schemaRef ds:uri="http://purl.org/dc/elements/1.1/"/>
+    <ds:schemaRef ds:uri="http://purl.org/dc/terms/"/>
+    <ds:schemaRef ds:uri="http://schemas.microsoft.com/internal/obd"/>
   </ds:schemaRefs>
 </ds:datastoreItem>
 </file>
@@ -6289,19 +6211,9 @@
 </file>
 
 <file path=customXml/itemProps3.xml><?xml version="1.0" encoding="utf-8"?>
-<ds:datastoreItem xmlns:ds="http://schemas.openxmlformats.org/officeDocument/2006/customXml" ds:itemID="{0785A4C7-B234-45E3-92B4-D7E0909F829E}">
+<ds:datastoreItem xmlns:ds="http://schemas.openxmlformats.org/officeDocument/2006/customXml" ds:itemID="{B0CA13EC-1D3C-4D6F-8D1C-E8A452CFC79A}">
   <ds:schemaRefs>
-    <ds:schemaRef ds:uri="http://schemas.microsoft.com/office/2006/metadata/contentType"/>
-    <ds:schemaRef ds:uri="http://schemas.microsoft.com/office/2006/metadata/properties/metaAttributes"/>
-    <ds:schemaRef ds:uri="http://www.w3.org/2001/XMLSchema"/>
-    <ds:schemaRef ds:uri="http://schemas.microsoft.com/office/2006/metadata/properties"/>
-    <ds:schemaRef ds:uri="239b4775-11ac-4188-ac69-b5b775bb2155"/>
-    <ds:schemaRef ds:uri="http://schemas.microsoft.com/office/2006/documentManagement/types"/>
-    <ds:schemaRef ds:uri="http://schemas.microsoft.com/office/infopath/2007/PartnerControls"/>
-    <ds:schemaRef ds:uri="http://schemas.openxmlformats.org/package/2006/metadata/core-properties"/>
-    <ds:schemaRef ds:uri="http://purl.org/dc/elements/1.1/"/>
-    <ds:schemaRef ds:uri="http://purl.org/dc/terms/"/>
-    <ds:schemaRef ds:uri="http://schemas.microsoft.com/internal/obd"/>
+    <ds:schemaRef ds:uri="http://schemas.microsoft.com/sharepoint/v3/contenttype/forms"/>
   </ds:schemaRefs>
 </ds:datastoreItem>
 </file>